--- a/Курсовая 2.pptx
+++ b/Курсовая 2.pptx
@@ -123,6 +123,11 @@
       </a:defRPr>
     </a:lvl9pPr>
   </p:defaultTextStyle>
+  <p:extLst>
+    <p:ext uri="{EFAFB233-063F-42B5-8137-9DF3F51BA10A}">
+      <p15:sldGuideLst xmlns:p15="http://schemas.microsoft.com/office/powerpoint/2012/main"/>
+    </p:ext>
+  </p:extLst>
 </p:presentation>
 </file>
 
@@ -312,7 +317,7 @@
           <a:p>
             <a:fld id="{4D22D6CF-D47B-4741-A773-89D21FD2A99B}" type="datetimeFigureOut">
               <a:rPr lang="ru-RU" smtClean="0"/>
-              <a:t>21.05.2023</a:t>
+              <a:t>22.05.2023</a:t>
             </a:fld>
             <a:endParaRPr lang="ru-RU"/>
           </a:p>
@@ -587,7 +592,7 @@
           <a:p>
             <a:fld id="{4D22D6CF-D47B-4741-A773-89D21FD2A99B}" type="datetimeFigureOut">
               <a:rPr lang="ru-RU" smtClean="0"/>
-              <a:t>21.05.2023</a:t>
+              <a:t>22.05.2023</a:t>
             </a:fld>
             <a:endParaRPr lang="ru-RU"/>
           </a:p>
@@ -781,7 +786,7 @@
           <a:p>
             <a:fld id="{4D22D6CF-D47B-4741-A773-89D21FD2A99B}" type="datetimeFigureOut">
               <a:rPr lang="ru-RU" smtClean="0"/>
-              <a:t>21.05.2023</a:t>
+              <a:t>22.05.2023</a:t>
             </a:fld>
             <a:endParaRPr lang="ru-RU"/>
           </a:p>
@@ -1054,7 +1059,7 @@
           <a:p>
             <a:fld id="{4D22D6CF-D47B-4741-A773-89D21FD2A99B}" type="datetimeFigureOut">
               <a:rPr lang="ru-RU" smtClean="0"/>
-              <a:t>21.05.2023</a:t>
+              <a:t>22.05.2023</a:t>
             </a:fld>
             <a:endParaRPr lang="ru-RU"/>
           </a:p>
@@ -1395,7 +1400,7 @@
           <a:p>
             <a:fld id="{4D22D6CF-D47B-4741-A773-89D21FD2A99B}" type="datetimeFigureOut">
               <a:rPr lang="ru-RU" smtClean="0"/>
-              <a:t>21.05.2023</a:t>
+              <a:t>22.05.2023</a:t>
             </a:fld>
             <a:endParaRPr lang="ru-RU"/>
           </a:p>
@@ -2018,7 +2023,7 @@
           <a:p>
             <a:fld id="{4D22D6CF-D47B-4741-A773-89D21FD2A99B}" type="datetimeFigureOut">
               <a:rPr lang="ru-RU" smtClean="0"/>
-              <a:t>21.05.2023</a:t>
+              <a:t>22.05.2023</a:t>
             </a:fld>
             <a:endParaRPr lang="ru-RU"/>
           </a:p>
@@ -2878,7 +2883,7 @@
           <a:p>
             <a:fld id="{4D22D6CF-D47B-4741-A773-89D21FD2A99B}" type="datetimeFigureOut">
               <a:rPr lang="ru-RU" smtClean="0"/>
-              <a:t>21.05.2023</a:t>
+              <a:t>22.05.2023</a:t>
             </a:fld>
             <a:endParaRPr lang="ru-RU"/>
           </a:p>
@@ -3048,7 +3053,7 @@
           <a:p>
             <a:fld id="{4D22D6CF-D47B-4741-A773-89D21FD2A99B}" type="datetimeFigureOut">
               <a:rPr lang="ru-RU" smtClean="0"/>
-              <a:t>21.05.2023</a:t>
+              <a:t>22.05.2023</a:t>
             </a:fld>
             <a:endParaRPr lang="ru-RU"/>
           </a:p>
@@ -3228,7 +3233,7 @@
           <a:p>
             <a:fld id="{4D22D6CF-D47B-4741-A773-89D21FD2A99B}" type="datetimeFigureOut">
               <a:rPr lang="ru-RU" smtClean="0"/>
-              <a:t>21.05.2023</a:t>
+              <a:t>22.05.2023</a:t>
             </a:fld>
             <a:endParaRPr lang="ru-RU"/>
           </a:p>
@@ -3398,7 +3403,7 @@
           <a:p>
             <a:fld id="{4D22D6CF-D47B-4741-A773-89D21FD2A99B}" type="datetimeFigureOut">
               <a:rPr lang="ru-RU" smtClean="0"/>
-              <a:t>21.05.2023</a:t>
+              <a:t>22.05.2023</a:t>
             </a:fld>
             <a:endParaRPr lang="ru-RU"/>
           </a:p>
@@ -3645,7 +3650,7 @@
           <a:p>
             <a:fld id="{4D22D6CF-D47B-4741-A773-89D21FD2A99B}" type="datetimeFigureOut">
               <a:rPr lang="ru-RU" smtClean="0"/>
-              <a:t>21.05.2023</a:t>
+              <a:t>22.05.2023</a:t>
             </a:fld>
             <a:endParaRPr lang="ru-RU"/>
           </a:p>
@@ -3937,7 +3942,7 @@
           <a:p>
             <a:fld id="{4D22D6CF-D47B-4741-A773-89D21FD2A99B}" type="datetimeFigureOut">
               <a:rPr lang="ru-RU" smtClean="0"/>
-              <a:t>21.05.2023</a:t>
+              <a:t>22.05.2023</a:t>
             </a:fld>
             <a:endParaRPr lang="ru-RU"/>
           </a:p>
@@ -4381,7 +4386,7 @@
           <a:p>
             <a:fld id="{4D22D6CF-D47B-4741-A773-89D21FD2A99B}" type="datetimeFigureOut">
               <a:rPr lang="ru-RU" smtClean="0"/>
-              <a:t>21.05.2023</a:t>
+              <a:t>22.05.2023</a:t>
             </a:fld>
             <a:endParaRPr lang="ru-RU"/>
           </a:p>
@@ -4499,7 +4504,7 @@
           <a:p>
             <a:fld id="{4D22D6CF-D47B-4741-A773-89D21FD2A99B}" type="datetimeFigureOut">
               <a:rPr lang="ru-RU" smtClean="0"/>
-              <a:t>21.05.2023</a:t>
+              <a:t>22.05.2023</a:t>
             </a:fld>
             <a:endParaRPr lang="ru-RU"/>
           </a:p>
@@ -4594,7 +4599,7 @@
           <a:p>
             <a:fld id="{4D22D6CF-D47B-4741-A773-89D21FD2A99B}" type="datetimeFigureOut">
               <a:rPr lang="ru-RU" smtClean="0"/>
-              <a:t>21.05.2023</a:t>
+              <a:t>22.05.2023</a:t>
             </a:fld>
             <a:endParaRPr lang="ru-RU"/>
           </a:p>
@@ -4873,7 +4878,7 @@
           <a:p>
             <a:fld id="{4D22D6CF-D47B-4741-A773-89D21FD2A99B}" type="datetimeFigureOut">
               <a:rPr lang="ru-RU" smtClean="0"/>
-              <a:t>21.05.2023</a:t>
+              <a:t>22.05.2023</a:t>
             </a:fld>
             <a:endParaRPr lang="ru-RU"/>
           </a:p>
@@ -5148,7 +5153,7 @@
           <a:p>
             <a:fld id="{4D22D6CF-D47B-4741-A773-89D21FD2A99B}" type="datetimeFigureOut">
               <a:rPr lang="ru-RU" smtClean="0"/>
-              <a:t>21.05.2023</a:t>
+              <a:t>22.05.2023</a:t>
             </a:fld>
             <a:endParaRPr lang="ru-RU"/>
           </a:p>
@@ -5577,7 +5582,7 @@
           <a:p>
             <a:fld id="{4D22D6CF-D47B-4741-A773-89D21FD2A99B}" type="datetimeFigureOut">
               <a:rPr lang="ru-RU" smtClean="0"/>
-              <a:t>21.05.2023</a:t>
+              <a:t>22.05.2023</a:t>
             </a:fld>
             <a:endParaRPr lang="ru-RU"/>
           </a:p>
@@ -6634,8 +6639,8 @@
         </p:blipFill>
         <p:spPr bwMode="auto">
           <a:xfrm>
-            <a:off x="479395" y="763480"/>
-            <a:ext cx="9934113" cy="5628443"/>
+            <a:off x="532662" y="310719"/>
+            <a:ext cx="11159230" cy="6214370"/>
           </a:xfrm>
           <a:prstGeom prst="rect">
             <a:avLst/>
@@ -6715,7 +6720,7 @@
       </p:sp>
       <p:pic>
         <p:nvPicPr>
-          <p:cNvPr id="5" name="Рисунок 4"/>
+          <p:cNvPr id="3" name="Рисунок 2"/>
           <p:cNvPicPr>
             <a:picLocks noChangeAspect="1"/>
           </p:cNvPicPr>
@@ -6729,8 +6734,8 @@
         </p:blipFill>
         <p:spPr>
           <a:xfrm>
-            <a:off x="195308" y="566738"/>
-            <a:ext cx="11842812" cy="6220716"/>
+            <a:off x="150921" y="566738"/>
+            <a:ext cx="11700769" cy="6133910"/>
           </a:xfrm>
           <a:prstGeom prst="rect">
             <a:avLst/>
@@ -6954,8 +6959,8 @@
         </p:blipFill>
         <p:spPr bwMode="auto">
           <a:xfrm>
-            <a:off x="1278383" y="639191"/>
-            <a:ext cx="9339309" cy="5530789"/>
+            <a:off x="861133" y="408372"/>
+            <a:ext cx="10502285" cy="6001306"/>
           </a:xfrm>
           <a:prstGeom prst="rect">
             <a:avLst/>
@@ -7697,14 +7702,7 @@
                 <a:latin typeface="Century Gothic (Заголовки)"/>
                 <a:cs typeface="Times New Roman" panose="02020603050405020304" pitchFamily="18" charset="0"/>
               </a:rPr>
-              <a:t>Изучение </a:t>
-            </a:r>
-            <a:r>
-              <a:rPr lang="ru-RU" sz="2400" dirty="0" smtClean="0">
-                <a:latin typeface="Century Gothic (Заголовки)"/>
-                <a:cs typeface="Times New Roman" panose="02020603050405020304" pitchFamily="18" charset="0"/>
-              </a:rPr>
-              <a:t>сферы исследования – турпотоки в России</a:t>
+              <a:t>Изучение сферы исследования – турпотоки в России</a:t>
             </a:r>
             <a:endParaRPr lang="ru-RU" sz="2400" dirty="0">
               <a:latin typeface="Century Gothic (Заголовки)"/>
@@ -7924,10 +7922,6 @@
               </a:rPr>
               <a:t>, </a:t>
             </a:r>
-            <a:endParaRPr lang="ru-RU" sz="2400" dirty="0" smtClean="0">
-              <a:latin typeface="Times New Roman" panose="02020603050405020304" pitchFamily="18" charset="0"/>
-              <a:cs typeface="Times New Roman" panose="02020603050405020304" pitchFamily="18" charset="0"/>
-            </a:endParaRPr>
           </a:p>
           <a:p>
             <a:pPr>
@@ -7945,10 +7939,6 @@
               </a:rPr>
               <a:t>, </a:t>
             </a:r>
-            <a:endParaRPr lang="ru-RU" sz="2400" dirty="0" smtClean="0">
-              <a:latin typeface="Times New Roman" panose="02020603050405020304" pitchFamily="18" charset="0"/>
-              <a:cs typeface="Times New Roman" panose="02020603050405020304" pitchFamily="18" charset="0"/>
-            </a:endParaRPr>
           </a:p>
           <a:p>
             <a:pPr>
@@ -8421,7 +8411,7 @@
         </p:nvSpPr>
         <p:spPr>
           <a:xfrm>
-            <a:off x="838199" y="479393"/>
+            <a:off x="740544" y="372861"/>
             <a:ext cx="10515600" cy="1346231"/>
           </a:xfrm>
         </p:spPr>
@@ -8472,7 +8462,7 @@
         </p:blipFill>
         <p:spPr bwMode="auto">
           <a:xfrm>
-            <a:off x="1596442" y="2052638"/>
+            <a:off x="2017898" y="1972739"/>
             <a:ext cx="7960891" cy="4195762"/>
           </a:xfrm>
           <a:prstGeom prst="rect">
@@ -8583,7 +8573,7 @@
         </p:blipFill>
         <p:spPr bwMode="auto">
           <a:xfrm>
-            <a:off x="145934" y="1257300"/>
+            <a:off x="545429" y="1275056"/>
             <a:ext cx="6172200" cy="4873625"/>
           </a:xfrm>
           <a:prstGeom prst="rect">
@@ -8735,7 +8725,7 @@
         </p:nvSpPr>
         <p:spPr>
           <a:xfrm>
-            <a:off x="773212" y="897384"/>
+            <a:off x="773212" y="1412289"/>
             <a:ext cx="3401064" cy="1447800"/>
           </a:xfrm>
         </p:spPr>
@@ -8808,8 +8798,8 @@
         </p:nvSpPr>
         <p:spPr>
           <a:xfrm>
-            <a:off x="773212" y="2425083"/>
-            <a:ext cx="3401063" cy="4268680"/>
+            <a:off x="773213" y="3604335"/>
+            <a:ext cx="3401063" cy="1553592"/>
           </a:xfrm>
         </p:spPr>
         <p:txBody>
@@ -8826,17 +8816,7 @@
               <a:rPr lang="ru-RU" sz="1800" dirty="0" smtClean="0"/>
               <a:t>.</a:t>
             </a:r>
-          </a:p>
-          <a:p>
-            <a:r>
-              <a:rPr lang="ru-RU" sz="1800" dirty="0" smtClean="0"/>
-              <a:t>Анализ </a:t>
-            </a:r>
-            <a:r>
-              <a:rPr lang="ru-RU" sz="1800" dirty="0"/>
-              <a:t>турпотоков в России является важным исследовательским направлением, поскольку позволяет понять и оценить динамику и характер туристического потока в разных регионах страны. </a:t>
-            </a:r>
-            <a:endParaRPr lang="ru-RU" sz="1600" dirty="0"/>
+            <a:endParaRPr lang="ru-RU" sz="1800" dirty="0" smtClean="0"/>
           </a:p>
         </p:txBody>
       </p:sp>
@@ -8889,7 +8869,7 @@
         </p:nvSpPr>
         <p:spPr>
           <a:xfrm>
-            <a:off x="169532" y="266330"/>
+            <a:off x="169532" y="389409"/>
             <a:ext cx="3401064" cy="648810"/>
           </a:xfrm>
         </p:spPr>
@@ -8917,13 +8897,13 @@
         </p:nvSpPr>
         <p:spPr>
           <a:xfrm>
-            <a:off x="169532" y="915140"/>
-            <a:ext cx="4127260" cy="5698724"/>
+            <a:off x="139775" y="1140682"/>
+            <a:ext cx="4127260" cy="2493885"/>
           </a:xfrm>
         </p:spPr>
         <p:txBody>
           <a:bodyPr>
-            <a:normAutofit fontScale="85000" lnSpcReduction="10000"/>
+            <a:normAutofit/>
           </a:bodyPr>
           <a:lstStyle/>
           <a:p>
@@ -8944,12 +8924,8 @@
               <a:t>Въездные </a:t>
             </a:r>
             <a:r>
-              <a:rPr lang="ru-RU" sz="1800" dirty="0"/>
-              <a:t>турпотоки: Это потоки туристов, приезжающих в Россию из других стран</a:t>
-            </a:r>
-            <a:r>
               <a:rPr lang="ru-RU" sz="1800" dirty="0" smtClean="0"/>
-              <a:t>.</a:t>
+              <a:t>турпотоки</a:t>
             </a:r>
           </a:p>
           <a:p>
@@ -8959,13 +8935,8 @@
             </a:pPr>
             <a:r>
               <a:rPr lang="ru-RU" sz="1800" dirty="0" smtClean="0"/>
-              <a:t>Выездные </a:t>
-            </a:r>
-            <a:r>
-              <a:rPr lang="ru-RU" sz="1800" dirty="0"/>
-              <a:t>турпотоки: Это потоки туристов, покидающих Россию и отправляющихся в другие страны. </a:t>
-            </a:r>
-            <a:endParaRPr lang="ru-RU" sz="1800" dirty="0" smtClean="0"/>
+              <a:t>Выездные турпотоки</a:t>
+            </a:r>
           </a:p>
           <a:p>
             <a:pPr marL="342900" lvl="0" indent="-342900">
@@ -8974,26 +8945,9 @@
             </a:pPr>
             <a:r>
               <a:rPr lang="ru-RU" sz="1800" dirty="0" smtClean="0"/>
-              <a:t>Внутренние </a:t>
-            </a:r>
-            <a:r>
-              <a:rPr lang="ru-RU" sz="1800" dirty="0"/>
-              <a:t>турпотоки: Это потоки </a:t>
-            </a:r>
-            <a:r>
-              <a:rPr lang="ru-RU" sz="1800" dirty="0" smtClean="0"/>
-              <a:t>туристов, путешествующих внутри России.</a:t>
-            </a:r>
-          </a:p>
-          <a:p>
-            <a:pPr lvl="0"/>
-            <a:endParaRPr lang="ru-RU" sz="1800" dirty="0" smtClean="0"/>
-          </a:p>
-          <a:p>
-            <a:r>
-              <a:rPr lang="ru-RU" sz="1800" dirty="0"/>
-              <a:t>Каждый из этих видов турпотоков имеет свои особенности и требует отдельного анализа. Анализ различных видов турпотоков помогает выявить тенденции, предоставляет информацию для принятия управленческих решений в сфере туризма, а также способствует разработке мер по привлечению и удержанию туристов.</a:t>
-            </a:r>
+              <a:t>Внутренние турпотоки</a:t>
+            </a:r>
+            <a:endParaRPr lang="ru-RU" sz="1800" dirty="0"/>
           </a:p>
           <a:p>
             <a:pPr lvl="0"/>
@@ -9114,7 +9068,7 @@
         <p:spPr>
           <a:xfrm>
             <a:off x="5015884" y="1122927"/>
-            <a:ext cx="7013360" cy="5490937"/>
+            <a:ext cx="7013360" cy="4745213"/>
           </a:xfrm>
           <a:prstGeom prst="rect">
             <a:avLst/>
@@ -9369,9 +9323,12 @@
             </a:pPr>
             <a:r>
               <a:rPr lang="ru-RU" sz="1500" dirty="0" smtClean="0"/>
-              <a:t>Прибыльные и убыточные организации: Анализ прибыльности туристических организаций позволяет определить их финансовую стабильность и успех на рынке. </a:t>
-            </a:r>
-            <a:endParaRPr lang="en-US" sz="1500" dirty="0" smtClean="0"/>
+              <a:t>Прибыльные и убыточные </a:t>
+            </a:r>
+            <a:r>
+              <a:rPr lang="ru-RU" sz="1500" dirty="0" smtClean="0"/>
+              <a:t>организации.</a:t>
+            </a:r>
           </a:p>
           <a:p>
             <a:pPr marL="342900" indent="-342900">
@@ -9380,7 +9337,11 @@
             </a:pPr>
             <a:r>
               <a:rPr lang="ru-RU" sz="1500" dirty="0" smtClean="0"/>
-              <a:t>Выручка: Включает доходы от проживания, питания, транспортировки, экскурсий и других туристических активностей.</a:t>
+              <a:t>Выручка</a:t>
+            </a:r>
+            <a:r>
+              <a:rPr lang="ru-RU" sz="1500" dirty="0" smtClean="0"/>
+              <a:t>: Включает доходы от проживания, питания, транспортировки, экскурсий и других туристических активностей.</a:t>
             </a:r>
           </a:p>
           <a:p>
@@ -9390,7 +9351,15 @@
             </a:pPr>
             <a:r>
               <a:rPr lang="ru-RU" sz="1500" dirty="0" smtClean="0"/>
-              <a:t>Прибыль и убыток: Прибыль является разницей между выручкой и затратами, показывая финансовый успех организации. Убыток, напротив, свидетельствует о негативных финансовых результатах.</a:t>
+              <a:t>Прибыль и убыток: Прибыль является разницей между выручкой и </a:t>
+            </a:r>
+            <a:r>
+              <a:rPr lang="ru-RU" sz="1500" dirty="0" smtClean="0"/>
+              <a:t>затратами, показывая финансовый успех организации. Убыток</a:t>
+            </a:r>
+            <a:r>
+              <a:rPr lang="ru-RU" sz="1500" dirty="0" smtClean="0"/>
+              <a:t>, напротив, свидетельствует о негативных финансовых результатах.</a:t>
             </a:r>
           </a:p>
           <a:p>
@@ -9493,7 +9462,7 @@
       </p:sp>
       <p:pic>
         <p:nvPicPr>
-          <p:cNvPr id="5" name="Объект 4"/>
+          <p:cNvPr id="6" name="Объект 5"/>
           <p:cNvPicPr>
             <a:picLocks noGrp="1" noChangeAspect="1"/>
           </p:cNvPicPr>
@@ -9509,8 +9478,8 @@
         </p:blipFill>
         <p:spPr>
           <a:xfrm>
-            <a:off x="567832" y="674702"/>
-            <a:ext cx="10874583" cy="5712130"/>
+            <a:off x="202682" y="560772"/>
+            <a:ext cx="11640130" cy="6117439"/>
           </a:xfrm>
           <a:prstGeom prst="rect">
             <a:avLst/>
